--- a/ppt/ch01_데이터베이스 시스템.pptx
+++ b/ppt/ch01_데이터베이스 시스템.pptx
@@ -378,7 +378,7 @@
             <a:fld id="{0BF48182-79EE-4B02-9AA5-EF29C5299923}" type="datetimeFigureOut">
               <a:rPr lang="ko-KR" altLang="en-US" smtClean="0"/>
               <a:pPr/>
-              <a:t>2024-02-22</a:t>
+              <a:t>2024-03-05</a:t>
             </a:fld>
             <a:endParaRPr lang="ko-KR" altLang="en-US" dirty="0"/>
           </a:p>
@@ -5744,94 +5744,104 @@
         </p:nvSpPr>
         <p:spPr/>
         <p:txBody>
-          <a:bodyPr/>
-          <a:lstStyle/>
-          <a:p>
-            <a:endParaRPr lang="ko-KR" altLang="en-US"/>
-          </a:p>
-        </p:txBody>
-      </p:sp>
-      <p:sp>
-        <p:nvSpPr>
-          <p:cNvPr id="2" name="제목 1"/>
-          <p:cNvSpPr>
-            <a:spLocks noGrp="1"/>
-          </p:cNvSpPr>
-          <p:nvPr>
-            <p:ph type="ctrTitle"/>
-          </p:nvPr>
-        </p:nvSpPr>
-        <p:spPr/>
-        <p:txBody>
-          <a:bodyPr/>
-          <a:lstStyle/>
-          <a:p>
-            <a:pPr algn="l"/>
-            <a:r>
-              <a:rPr lang="en-US" altLang="ko-KR" sz="2800" dirty="0">
+          <a:bodyPr>
+            <a:normAutofit/>
+          </a:bodyPr>
+          <a:lstStyle/>
+          <a:p>
+            <a:r>
+              <a:rPr lang="en-US" altLang="ko-KR" sz="2000" dirty="0">
                 <a:solidFill>
                   <a:srgbClr val="344F6B"/>
                 </a:solidFill>
-                <a:latin typeface="HY견고딕" pitchFamily="18" charset="-127"/>
-                <a:ea typeface="HY견고딕" pitchFamily="18" charset="-127"/>
               </a:rPr>
               <a:t>Chapter </a:t>
             </a:r>
             <a:r>
-              <a:rPr lang="en-US" altLang="ko-KR" sz="4000" dirty="0">
+              <a:rPr lang="en-US" altLang="ko-KR" sz="2000" dirty="0" smtClean="0">
                 <a:solidFill>
                   <a:srgbClr val="344F6B"/>
                 </a:solidFill>
-                <a:latin typeface="HY견고딕" pitchFamily="18" charset="-127"/>
-                <a:ea typeface="HY견고딕" pitchFamily="18" charset="-127"/>
               </a:rPr>
               <a:t>01</a:t>
             </a:r>
             <a:r>
-              <a:rPr lang="en-US" altLang="ko-KR" sz="4000" dirty="0">
+              <a:rPr lang="en-US" altLang="ko-KR" sz="2000" dirty="0">
                 <a:solidFill>
                   <a:srgbClr val="215968"/>
                 </a:solidFill>
-                <a:latin typeface="HY견고딕" pitchFamily="18" charset="-127"/>
-                <a:ea typeface="HY견고딕" pitchFamily="18" charset="-127"/>
               </a:rPr>
-              <a:t/>
-            </a:r>
-            <a:br>
-              <a:rPr lang="en-US" altLang="ko-KR" sz="4000" dirty="0">
+              <a:t> </a:t>
+            </a:r>
+            <a:r>
+              <a:rPr lang="en-US" altLang="ko-KR" sz="2000" dirty="0" smtClean="0">
                 <a:solidFill>
                   <a:srgbClr val="215968"/>
                 </a:solidFill>
-                <a:latin typeface="HY견고딕" pitchFamily="18" charset="-127"/>
-                <a:ea typeface="HY견고딕" pitchFamily="18" charset="-127"/>
               </a:rPr>
-            </a:br>
-            <a:r>
-              <a:rPr lang="en-US" altLang="ko-KR" sz="800" dirty="0">
-                <a:latin typeface="HY견고딕" pitchFamily="18" charset="-127"/>
-                <a:ea typeface="HY견고딕" pitchFamily="18" charset="-127"/>
-              </a:rPr>
-              <a:t/>
-            </a:r>
-            <a:br>
-              <a:rPr lang="en-US" altLang="ko-KR" sz="800" dirty="0">
-                <a:latin typeface="HY견고딕" pitchFamily="18" charset="-127"/>
-                <a:ea typeface="HY견고딕" pitchFamily="18" charset="-127"/>
-              </a:rPr>
-            </a:br>
-            <a:r>
-              <a:rPr lang="ko-KR" altLang="en-US" sz="4600" dirty="0">
+              <a:t> </a:t>
+            </a:r>
+            <a:r>
+              <a:rPr lang="ko-KR" altLang="en-US" sz="2000" dirty="0" smtClean="0">
                 <a:solidFill>
                   <a:schemeClr val="tx1">
                     <a:lumMod val="85000"/>
                     <a:lumOff val="15000"/>
                   </a:schemeClr>
                 </a:solidFill>
+              </a:rPr>
+              <a:t>데이터베이스 </a:t>
+            </a:r>
+            <a:r>
+              <a:rPr lang="ko-KR" altLang="en-US" sz="2000" dirty="0">
+                <a:solidFill>
+                  <a:schemeClr val="tx1">
+                    <a:lumMod val="85000"/>
+                    <a:lumOff val="15000"/>
+                  </a:schemeClr>
+                </a:solidFill>
+              </a:rPr>
+              <a:t>시스템</a:t>
+            </a:r>
+            <a:endParaRPr lang="ko-KR" altLang="en-US" sz="2000" dirty="0"/>
+          </a:p>
+        </p:txBody>
+      </p:sp>
+      <p:sp>
+        <p:nvSpPr>
+          <p:cNvPr id="2" name="제목 1"/>
+          <p:cNvSpPr>
+            <a:spLocks noGrp="1"/>
+          </p:cNvSpPr>
+          <p:nvPr>
+            <p:ph type="ctrTitle"/>
+          </p:nvPr>
+        </p:nvSpPr>
+        <p:spPr/>
+        <p:txBody>
+          <a:bodyPr/>
+          <a:lstStyle/>
+          <a:p>
+            <a:r>
+              <a:rPr lang="ko-KR" altLang="en-US" sz="4800" dirty="0" smtClean="0">
+                <a:solidFill>
+                  <a:srgbClr val="344F6B"/>
+                </a:solidFill>
                 <a:latin typeface="HY견고딕" pitchFamily="18" charset="-127"/>
                 <a:ea typeface="HY견고딕" pitchFamily="18" charset="-127"/>
               </a:rPr>
-              <a:t>데이터베이스 시스템</a:t>
-            </a:r>
+              <a:t>데이터 베이스</a:t>
+            </a:r>
+            <a:endParaRPr lang="ko-KR" altLang="en-US" sz="4800" dirty="0">
+              <a:solidFill>
+                <a:schemeClr val="tx1">
+                  <a:lumMod val="85000"/>
+                  <a:lumOff val="15000"/>
+                </a:schemeClr>
+              </a:solidFill>
+              <a:latin typeface="HY견고딕" pitchFamily="18" charset="-127"/>
+              <a:ea typeface="HY견고딕" pitchFamily="18" charset="-127"/>
+            </a:endParaRPr>
           </a:p>
         </p:txBody>
       </p:sp>
@@ -14884,49 +14894,6 @@
           </a:p>
         </p:txBody>
       </p:sp>
-      <p:sp>
-        <p:nvSpPr>
-          <p:cNvPr id="2" name="제목 1"/>
-          <p:cNvSpPr>
-            <a:spLocks noGrp="1"/>
-          </p:cNvSpPr>
-          <p:nvPr>
-            <p:ph type="title"/>
-          </p:nvPr>
-        </p:nvSpPr>
-        <p:spPr/>
-        <p:txBody>
-          <a:bodyPr/>
-          <a:lstStyle/>
-          <a:p>
-            <a:endParaRPr lang="ko-KR" altLang="en-US"/>
-          </a:p>
-        </p:txBody>
-      </p:sp>
-      <p:sp>
-        <p:nvSpPr>
-          <p:cNvPr id="5" name="내용 개체 틀 4"/>
-          <p:cNvSpPr>
-            <a:spLocks noGrp="1"/>
-          </p:cNvSpPr>
-          <p:nvPr>
-            <p:ph idx="1"/>
-          </p:nvPr>
-        </p:nvSpPr>
-        <p:spPr>
-          <a:xfrm>
-            <a:off x="457200" y="952610"/>
-            <a:ext cx="8229600" cy="5500726"/>
-          </a:xfrm>
-        </p:spPr>
-        <p:txBody>
-          <a:bodyPr/>
-          <a:lstStyle/>
-          <a:p>
-            <a:endParaRPr lang="ko-KR" altLang="en-US" dirty="0"/>
-          </a:p>
-        </p:txBody>
-      </p:sp>
     </p:spTree>
     <p:extLst>
       <p:ext uri="{BB962C8B-B14F-4D97-AF65-F5344CB8AC3E}">
@@ -18656,7 +18623,7 @@
         </p:blipFill>
         <p:spPr bwMode="auto">
           <a:xfrm>
-            <a:off x="1403648" y="2276872"/>
+            <a:off x="1835696" y="1916832"/>
             <a:ext cx="4924425" cy="4019550"/>
           </a:xfrm>
           <a:prstGeom prst="rect">
